--- a/presentation.pptx
+++ b/presentation.pptx
@@ -317,7 +317,7 @@
           <a:p>
             <a:fld id="{0807B640-AE06-A542-B8C7-0ED00997CC62}" type="datetimeFigureOut">
               <a:rPr lang="en-TW" smtClean="0"/>
-              <a:t>2022/3/13</a:t>
+              <a:t>2022/3/15</a:t>
             </a:fld>
             <a:endParaRPr lang="en-TW"/>
           </a:p>
@@ -765,9 +765,6 @@
             <a:endParaRPr lang="en-US" dirty="0"/>
           </a:p>
           <a:p>
-            <a:endParaRPr lang="en-US" dirty="0"/>
-          </a:p>
-          <a:p>
             <a:r>
               <a:rPr lang="en-US" dirty="0"/>
               <a:t>Sometimes we can only answer one problem at a time when we got these model </a:t>
@@ -1116,6 +1113,29 @@
         <p:txBody>
           <a:bodyPr/>
           <a:lstStyle/>
+          <a:p>
+            <a:pPr marL="0" marR="0" lvl="0" indent="0" algn="l" defTabSz="914400" rtl="0" eaLnBrk="1" fontAlgn="auto" latinLnBrk="0" hangingPunct="1">
+              <a:lnSpc>
+                <a:spcPct val="100000"/>
+              </a:lnSpc>
+              <a:spcBef>
+                <a:spcPts val="0"/>
+              </a:spcBef>
+              <a:spcAft>
+                <a:spcPts val="0"/>
+              </a:spcAft>
+              <a:buClrTx/>
+              <a:buSzTx/>
+              <a:buFontTx/>
+              <a:buNone/>
+              <a:tabLst/>
+              <a:defRPr/>
+            </a:pPr>
+            <a:r>
+              <a:rPr lang="en-US" sz="1200" dirty="0"/>
+              <a:t>Freshness or price is not competitive</a:t>
+            </a:r>
+          </a:p>
           <a:p>
             <a:pPr marL="0" marR="0" lvl="0" indent="0" algn="l" defTabSz="914400" rtl="0" eaLnBrk="1" fontAlgn="auto" latinLnBrk="0" hangingPunct="1">
               <a:lnSpc>
@@ -1520,7 +1540,7 @@
           <a:p>
             <a:fld id="{02AC24A9-CCB6-4F8D-B8DB-C2F3692CFA5A}" type="datetimeFigureOut">
               <a:rPr lang="en-US" smtClean="0"/>
-              <a:t>3/13/22</a:t>
+              <a:t>3/15/22</a:t>
             </a:fld>
             <a:endParaRPr lang="en-US" dirty="0"/>
           </a:p>
@@ -1890,7 +1910,7 @@
           <a:p>
             <a:fld id="{02AC24A9-CCB6-4F8D-B8DB-C2F3692CFA5A}" type="datetimeFigureOut">
               <a:rPr lang="en-US" smtClean="0"/>
-              <a:t>3/13/22</a:t>
+              <a:t>3/15/22</a:t>
             </a:fld>
             <a:endParaRPr lang="en-US"/>
           </a:p>
@@ -2099,7 +2119,7 @@
           <a:p>
             <a:fld id="{02AC24A9-CCB6-4F8D-B8DB-C2F3692CFA5A}" type="datetimeFigureOut">
               <a:rPr lang="en-US" smtClean="0"/>
-              <a:t>3/13/22</a:t>
+              <a:t>3/15/22</a:t>
             </a:fld>
             <a:endParaRPr lang="en-US"/>
           </a:p>
@@ -2569,7 +2589,7 @@
           <a:p>
             <a:fld id="{02AC24A9-CCB6-4F8D-B8DB-C2F3692CFA5A}" type="datetimeFigureOut">
               <a:rPr lang="en-US" smtClean="0"/>
-              <a:t>3/13/22</a:t>
+              <a:t>3/15/22</a:t>
             </a:fld>
             <a:endParaRPr lang="en-US"/>
           </a:p>
@@ -3023,7 +3043,7 @@
           <a:p>
             <a:fld id="{02AC24A9-CCB6-4F8D-B8DB-C2F3692CFA5A}" type="datetimeFigureOut">
               <a:rPr lang="en-US" smtClean="0"/>
-              <a:t>3/13/22</a:t>
+              <a:t>3/15/22</a:t>
             </a:fld>
             <a:endParaRPr lang="en-US"/>
           </a:p>
@@ -3555,7 +3575,7 @@
           <a:p>
             <a:fld id="{02AC24A9-CCB6-4F8D-B8DB-C2F3692CFA5A}" type="datetimeFigureOut">
               <a:rPr lang="en-US" smtClean="0"/>
-              <a:t>3/13/22</a:t>
+              <a:t>3/15/22</a:t>
             </a:fld>
             <a:endParaRPr lang="en-US"/>
           </a:p>
@@ -4254,7 +4274,7 @@
           <a:p>
             <a:fld id="{02AC24A9-CCB6-4F8D-B8DB-C2F3692CFA5A}" type="datetimeFigureOut">
               <a:rPr lang="en-US" smtClean="0"/>
-              <a:t>3/13/22</a:t>
+              <a:t>3/15/22</a:t>
             </a:fld>
             <a:endParaRPr lang="en-US"/>
           </a:p>
@@ -4583,7 +4603,7 @@
           <a:p>
             <a:fld id="{02AC24A9-CCB6-4F8D-B8DB-C2F3692CFA5A}" type="datetimeFigureOut">
               <a:rPr lang="en-US" smtClean="0"/>
-              <a:t>3/13/22</a:t>
+              <a:t>3/15/22</a:t>
             </a:fld>
             <a:endParaRPr lang="en-US"/>
           </a:p>
@@ -4696,7 +4716,7 @@
           <a:p>
             <a:fld id="{02AC24A9-CCB6-4F8D-B8DB-C2F3692CFA5A}" type="datetimeFigureOut">
               <a:rPr lang="en-US" smtClean="0"/>
-              <a:t>3/13/22</a:t>
+              <a:t>3/15/22</a:t>
             </a:fld>
             <a:endParaRPr lang="en-US"/>
           </a:p>
@@ -5191,7 +5211,7 @@
           <a:p>
             <a:fld id="{02AC24A9-CCB6-4F8D-B8DB-C2F3692CFA5A}" type="datetimeFigureOut">
               <a:rPr lang="en-US" smtClean="0"/>
-              <a:t>3/13/22</a:t>
+              <a:t>3/15/22</a:t>
             </a:fld>
             <a:endParaRPr lang="en-US" dirty="0"/>
           </a:p>
@@ -5668,7 +5688,7 @@
           <a:p>
             <a:fld id="{02AC24A9-CCB6-4F8D-B8DB-C2F3692CFA5A}" type="datetimeFigureOut">
               <a:rPr lang="en-US" smtClean="0"/>
-              <a:t>3/13/22</a:t>
+              <a:t>3/15/22</a:t>
             </a:fld>
             <a:endParaRPr lang="en-US"/>
           </a:p>
@@ -5911,7 +5931,7 @@
           <a:p>
             <a:fld id="{02AC24A9-CCB6-4F8D-B8DB-C2F3692CFA5A}" type="datetimeFigureOut">
               <a:rPr lang="en-US" smtClean="0"/>
-              <a:t>3/13/22</a:t>
+              <a:t>3/15/22</a:t>
             </a:fld>
             <a:endParaRPr lang="en-US"/>
           </a:p>
@@ -11403,8 +11423,8 @@
           </a:p>
         </p:txBody>
       </p:sp>
-      <mc:AlternateContent xmlns:mc="http://schemas.openxmlformats.org/markup-compatibility/2006">
-        <mc:Choice xmlns:a14="http://schemas.microsoft.com/office/drawing/2010/main" Requires="a14">
+      <mc:AlternateContent xmlns:mc="http://schemas.openxmlformats.org/markup-compatibility/2006" xmlns:a14="http://schemas.microsoft.com/office/drawing/2010/main">
+        <mc:Choice Requires="a14">
           <p:sp>
             <p:nvSpPr>
               <p:cNvPr id="3" name="Content Placeholder 2">
@@ -11540,18 +11560,24 @@
                         <m:begChr m:val="|"/>
                         <m:endChr m:val="|"/>
                         <m:ctrlPr>
-                          <a:rPr lang="en-US" sz="2000" i="1" smtClean="0"/>
+                          <a:rPr lang="en-US" sz="2000" i="1" smtClean="0">
+                            <a:latin typeface="Cambria Math" panose="02040503050406030204" pitchFamily="18" charset="0"/>
+                          </a:rPr>
                         </m:ctrlPr>
                       </m:dPr>
                       <m:e>
                         <m:r>
-                          <a:rPr lang="en-US" sz="2000" b="0" i="1" smtClean="0"/>
+                          <a:rPr lang="en-US" sz="2000" b="0" i="1" smtClean="0">
+                            <a:latin typeface="Cambria Math" panose="02040503050406030204" pitchFamily="18" charset="0"/>
+                          </a:rPr>
                           <m:t>𝐸</m:t>
                         </m:r>
                       </m:e>
                     </m:d>
                     <m:r>
-                      <a:rPr lang="en-US" sz="2000" b="0" i="1" smtClean="0"/>
+                      <a:rPr lang="en-US" sz="2000" b="0" i="1" smtClean="0">
+                        <a:latin typeface="Cambria Math" panose="02040503050406030204" pitchFamily="18" charset="0"/>
+                      </a:rPr>
                       <m:t>&gt;1</m:t>
                     </m:r>
                   </m:oMath>
@@ -11573,22 +11599,30 @@
                         <m:begChr m:val="|"/>
                         <m:endChr m:val="|"/>
                         <m:ctrlPr>
-                          <a:rPr lang="en-US" sz="2000" i="1" smtClean="0"/>
+                          <a:rPr lang="en-US" sz="2000" i="1" smtClean="0">
+                            <a:latin typeface="Cambria Math" panose="02040503050406030204" pitchFamily="18" charset="0"/>
+                          </a:rPr>
                         </m:ctrlPr>
                       </m:dPr>
                       <m:e>
                         <m:r>
-                          <a:rPr lang="en-US" sz="2000" i="1" smtClean="0"/>
+                          <a:rPr lang="en-US" sz="2000" i="1" smtClean="0">
+                            <a:latin typeface="Cambria Math" panose="02040503050406030204" pitchFamily="18" charset="0"/>
+                          </a:rPr>
                           <m:t>𝐸</m:t>
                         </m:r>
                       </m:e>
                     </m:d>
                     <m:r>
-                      <a:rPr lang="en-US" sz="2000" b="0" i="1" smtClean="0"/>
+                      <a:rPr lang="en-US" sz="2000" b="0" i="1" smtClean="0">
+                        <a:latin typeface="Cambria Math" panose="02040503050406030204" pitchFamily="18" charset="0"/>
+                      </a:rPr>
                       <m:t>&lt;</m:t>
                     </m:r>
                     <m:r>
-                      <a:rPr lang="en-US" sz="2000" i="1" smtClean="0"/>
+                      <a:rPr lang="en-US" sz="2000" i="1" smtClean="0">
+                        <a:latin typeface="Cambria Math" panose="02040503050406030204" pitchFamily="18" charset="0"/>
+                      </a:rPr>
                       <m:t>1</m:t>
                     </m:r>
                   </m:oMath>
@@ -11601,7 +11635,7 @@
             </p:txBody>
           </p:sp>
         </mc:Choice>
-        <mc:Fallback>
+        <mc:Fallback xmlns="">
           <p:sp>
             <p:nvSpPr>
               <p:cNvPr id="3" name="Content Placeholder 2">
@@ -11655,7 +11689,7 @@
 </file>
 
 <file path=ppt/slides/slide2.xml><?xml version="1.0" encoding="utf-8"?>
-<p:sld xmlns:a="http://schemas.openxmlformats.org/drawingml/2006/main" xmlns:r="http://schemas.openxmlformats.org/officeDocument/2006/relationships" xmlns:p="http://schemas.openxmlformats.org/presentationml/2006/main">
+<p:sld xmlns:a="http://schemas.openxmlformats.org/drawingml/2006/main" xmlns:r="http://schemas.openxmlformats.org/officeDocument/2006/relationships" xmlns:p="http://schemas.openxmlformats.org/presentationml/2006/main" show="0">
   <p:cSld>
     <p:spTree>
       <p:nvGrpSpPr>
@@ -11730,6 +11764,9 @@
               <a:rPr lang="en-TW" dirty="0"/>
               <a:t>Purpose of Simulation: simulation can be used to predict the future behavior of a “system” and determine what you can do to influence that future behavior. </a:t>
             </a:r>
+          </a:p>
+          <a:p>
+            <a:endParaRPr lang="en-TW" dirty="0"/>
           </a:p>
           <a:p>
             <a:r>
@@ -12162,8 +12199,8 @@
           </a:p>
         </p:txBody>
       </p:sp>
-      <mc:AlternateContent xmlns:mc="http://schemas.openxmlformats.org/markup-compatibility/2006">
-        <mc:Choice xmlns:a14="http://schemas.microsoft.com/office/drawing/2010/main" Requires="a14">
+      <mc:AlternateContent xmlns:mc="http://schemas.openxmlformats.org/markup-compatibility/2006" xmlns:a14="http://schemas.microsoft.com/office/drawing/2010/main">
+        <mc:Choice Requires="a14">
           <p:sp>
             <p:nvSpPr>
               <p:cNvPr id="3" name="Content Placeholder 2">
@@ -12557,7 +12594,7 @@
             </p:txBody>
           </p:sp>
         </mc:Choice>
-        <mc:Fallback>
+        <mc:Fallback xmlns="">
           <p:sp>
             <p:nvSpPr>
               <p:cNvPr id="3" name="Content Placeholder 2">
@@ -12689,8 +12726,8 @@
           </a:p>
         </p:txBody>
       </p:sp>
-      <mc:AlternateContent xmlns:mc="http://schemas.openxmlformats.org/markup-compatibility/2006">
-        <mc:Choice xmlns:a14="http://schemas.microsoft.com/office/drawing/2010/main" Requires="a14">
+      <mc:AlternateContent xmlns:mc="http://schemas.openxmlformats.org/markup-compatibility/2006" xmlns:a14="http://schemas.microsoft.com/office/drawing/2010/main">
+        <mc:Choice Requires="a14">
           <p:sp>
             <p:nvSpPr>
               <p:cNvPr id="3" name="Content Placeholder 2">
@@ -13332,7 +13369,7 @@
             </p:txBody>
           </p:sp>
         </mc:Choice>
-        <mc:Fallback>
+        <mc:Fallback xmlns="">
           <p:sp>
             <p:nvSpPr>
               <p:cNvPr id="3" name="Content Placeholder 2">
@@ -13968,13 +14005,13 @@
         </p:spPr>
         <p:txBody>
           <a:bodyPr>
-            <a:normAutofit fontScale="92500"/>
+            <a:normAutofit/>
           </a:bodyPr>
           <a:lstStyle/>
           <a:p>
             <a:r>
               <a:rPr lang="en-TW" dirty="0"/>
-              <a:t>The best strategy is 11 times higher than the worst one. </a:t>
+              <a:t>The best strategy is 12 times higher than the worst one. </a:t>
             </a:r>
           </a:p>
           <a:p>
@@ -13998,13 +14035,7 @@
           <a:p>
             <a:r>
               <a:rPr lang="en-TW" dirty="0"/>
-              <a:t>According to both price elasticity models, our product is competitive on the market. After optimization, we can gain more profitability by decreasing the selling price. </a:t>
-            </a:r>
-          </a:p>
-          <a:p>
-            <a:r>
-              <a:rPr lang="en-TW" dirty="0"/>
-              <a:t>The settings are relatively simple. In real case, we should also consider the risk of management fault, unexpected competitions, extreme climate change and so on.</a:t>
+              <a:t>According to both price elasticity models, our product is price-elastic on the market. After optimization, we can gain more profitability by decreasing the selling price. </a:t>
             </a:r>
           </a:p>
         </p:txBody>
@@ -14553,7 +14584,7 @@
 </file>
 
 <file path=ppt/slides/slide3.xml><?xml version="1.0" encoding="utf-8"?>
-<p:sld xmlns:a="http://schemas.openxmlformats.org/drawingml/2006/main" xmlns:r="http://schemas.openxmlformats.org/officeDocument/2006/relationships" xmlns:p="http://schemas.openxmlformats.org/presentationml/2006/main">
+<p:sld xmlns:a="http://schemas.openxmlformats.org/drawingml/2006/main" xmlns:r="http://schemas.openxmlformats.org/officeDocument/2006/relationships" xmlns:p="http://schemas.openxmlformats.org/presentationml/2006/main" show="0">
   <p:cSld>
     <p:spTree>
       <p:nvGrpSpPr>
@@ -14615,8 +14646,8 @@
         </p:nvSpPr>
         <p:spPr>
           <a:xfrm>
-            <a:off x="1115568" y="2478024"/>
-            <a:ext cx="10802112" cy="4136136"/>
+            <a:off x="663879" y="2335687"/>
+            <a:ext cx="11436263" cy="4522313"/>
           </a:xfrm>
         </p:spPr>
         <p:txBody>
@@ -14667,43 +14698,49 @@
             <a:pPr lvl="2"/>
             <a:r>
               <a:rPr lang="en-US" dirty="0"/>
-              <a:t>What influence the tobacco manufacturing time?</a:t>
+              <a:t>What influence the product sales? =&gt; feature importance</a:t>
             </a:r>
           </a:p>
           <a:p>
             <a:pPr lvl="2"/>
             <a:r>
               <a:rPr lang="en-US" dirty="0"/>
-              <a:t>What is the demand of tobacco in the future?</a:t>
-            </a:r>
-          </a:p>
-          <a:p>
-            <a:pPr marL="457200" lvl="1" indent="0">
+              <a:t>What is the demand in the future? =&gt; time-series demand forecasting</a:t>
+            </a:r>
+          </a:p>
+          <a:p>
+            <a:pPr lvl="2"/>
+            <a:r>
+              <a:rPr lang="en-US" dirty="0"/>
+              <a:t>How does increasing one more production line influence our profit in the future?</a:t>
+            </a:r>
+          </a:p>
+          <a:p>
+            <a:pPr lvl="2"/>
+            <a:r>
+              <a:rPr lang="en-US" dirty="0"/>
+              <a:t>Other business questions …</a:t>
+            </a:r>
+            <a:endParaRPr lang="en-TW" dirty="0"/>
+          </a:p>
+          <a:p>
+            <a:pPr marL="0" indent="0">
               <a:buNone/>
             </a:pPr>
-            <a:endParaRPr lang="en-US" dirty="0"/>
-          </a:p>
-          <a:p>
-            <a:pPr marL="457200" lvl="1" indent="0">
+            <a:endParaRPr lang="en-TW" sz="2000" dirty="0"/>
+          </a:p>
+          <a:p>
+            <a:pPr marL="0" indent="0">
               <a:buNone/>
             </a:pPr>
             <a:r>
-              <a:rPr lang="en-US" dirty="0"/>
-              <a:t>How does increasing one more production line influence our profit in the future?</a:t>
-            </a:r>
-          </a:p>
-          <a:p>
-            <a:pPr marL="457200" lvl="1" indent="0">
-              <a:buNone/>
-            </a:pPr>
-            <a:r>
-              <a:rPr lang="en-US" dirty="0"/>
-              <a:t>Other business questions …</a:t>
-            </a:r>
-            <a:endParaRPr lang="en-TW" dirty="0"/>
-          </a:p>
-          <a:p>
-            <a:endParaRPr lang="en-TW" dirty="0"/>
+              <a:rPr lang="en-TW" sz="2000" dirty="0"/>
+              <a:t>We can use the result from predictive models as the simulation </a:t>
+            </a:r>
+            <a:r>
+              <a:rPr lang="en-US" sz="2000" dirty="0"/>
+              <a:t>parameters and do simulation</a:t>
+            </a:r>
           </a:p>
         </p:txBody>
       </p:sp>
@@ -15338,26 +15375,24 @@
             <a:pPr lvl="1"/>
             <a:r>
               <a:rPr lang="en-TW" dirty="0"/>
-              <a:t>Homogeneous Poisson Process: the arrival rate of a poisson process does not change by time – the manufacturing time of tobacco</a:t>
-            </a:r>
+              <a:t>Homogeneous Poisson Process: the arrival rate of a poisson process does not change by time – the manufacturing time of a product</a:t>
+            </a:r>
+          </a:p>
+          <a:p>
+            <a:pPr marL="457200" lvl="1" indent="0">
+              <a:buNone/>
+            </a:pPr>
+            <a:endParaRPr lang="en-TW" dirty="0"/>
           </a:p>
           <a:p>
             <a:pPr lvl="1"/>
-            <a:endParaRPr lang="en-TW" dirty="0"/>
-          </a:p>
-          <a:p>
-            <a:pPr lvl="1"/>
             <a:r>
               <a:rPr lang="en-TW" dirty="0"/>
-              <a:t>Nonhomogeneous Poisson Process: the arrival rate is a function of time – the demand of tobacco</a:t>
-            </a:r>
-            <a:r>
-              <a:rPr lang="zh-TW" altLang="en-US" dirty="0"/>
-              <a:t> </a:t>
+              <a:t>Nonhomogeneous Poisson Process: the arrival rate is a function of time – the seasonal change in demand </a:t>
             </a:r>
             <a:r>
               <a:rPr lang="en-US" altLang="zh-TW" dirty="0"/>
-              <a:t>(people probably buy more tobacco during holiday season)</a:t>
+              <a:t>(people probably buy more during a period)</a:t>
             </a:r>
             <a:endParaRPr lang="en-TW" dirty="0"/>
           </a:p>
@@ -15507,7 +15542,7 @@
             <a:pPr lvl="1"/>
             <a:r>
               <a:rPr lang="en-TW" dirty="0"/>
-              <a:t>Queue - First In First Out</a:t>
+              <a:t>Orange Selling Queue - First In First Out</a:t>
             </a:r>
           </a:p>
           <a:p>
